--- a/ppt/MLOps11-Monitoring.pptx
+++ b/ppt/MLOps11-Monitoring.pptx
@@ -4253,6 +4253,30 @@
               <a:rPr lang="fr-FR" dirty="0"/>
               <a:t>Permet d'avoir un monitoring des apprentissages</a:t>
             </a:r>
+          </a:p>
+          <a:p>
+            <a:pPr lvl="1"/>
+            <a:r>
+              <a:rPr lang="fr-FR" dirty="0" err="1"/>
+              <a:t>Pip</a:t>
+            </a:r>
+            <a:r>
+              <a:rPr lang="fr-FR" dirty="0"/>
+              <a:t> </a:t>
+            </a:r>
+            <a:r>
+              <a:rPr lang="fr-FR" dirty="0" err="1"/>
+              <a:t>install</a:t>
+            </a:r>
+            <a:r>
+              <a:rPr lang="fr-FR" dirty="0"/>
+              <a:t> </a:t>
+            </a:r>
+            <a:r>
+              <a:rPr lang="fr-FR" dirty="0" err="1"/>
+              <a:t>tensorboard</a:t>
+            </a:r>
+            <a:endParaRPr lang="fr-FR" dirty="0"/>
           </a:p>
           <a:p>
             <a:pPr lvl="1"/>
